--- a/GETTRIPPY_TRAVEL_SITE.pptx
+++ b/GETTRIPPY_TRAVEL_SITE.pptx
@@ -6,8 +6,8 @@
   </p:sldMasterIdLst>
   <p:sldIdLst>
     <p:sldId id="256" r:id="rId2"/>
-    <p:sldId id="258" r:id="rId3"/>
-    <p:sldId id="259" r:id="rId4"/>
+    <p:sldId id="268" r:id="rId3"/>
+    <p:sldId id="258" r:id="rId4"/>
     <p:sldId id="260" r:id="rId5"/>
     <p:sldId id="261" r:id="rId6"/>
     <p:sldId id="263" r:id="rId7"/>
@@ -119,8 +119,8 @@
         <p14:section name="Default Section" id="{B8F02BD9-563B-4D95-8CCE-208B131CA1F5}">
           <p14:sldIdLst>
             <p14:sldId id="256"/>
+            <p14:sldId id="268"/>
             <p14:sldId id="258"/>
-            <p14:sldId id="259"/>
             <p14:sldId id="260"/>
             <p14:sldId id="261"/>
             <p14:sldId id="263"/>
@@ -5365,19 +5365,17 @@
           <a:p>
             <a:r>
               <a:rPr lang="en-US" dirty="0" smtClean="0"/>
-              <a:t>GETTRIPPY TRAVEL SITE</a:t>
-            </a:r>
-            <a:br>
+              <a:t>GETTRIPPY TRAVEL </a:t>
+            </a:r>
+            <a:r>
               <a:rPr lang="en-US" dirty="0" smtClean="0"/>
-            </a:br>
-            <a:r>
-              <a:rPr lang="en-US" sz="3600" dirty="0">
-                <a:solidFill>
-                  <a:schemeClr val="bg2"/>
-                </a:solidFill>
-              </a:rPr>
-              <a:t>lamp.cse.fau.edu/~owend2014</a:t>
-            </a:r>
+              <a:t>SITE</a:t>
+            </a:r>
+            <a:endParaRPr lang="en-US" sz="3600" dirty="0">
+              <a:solidFill>
+                <a:schemeClr val="bg2"/>
+              </a:solidFill>
+            </a:endParaRPr>
           </a:p>
         </p:txBody>
       </p:sp>
@@ -5606,13 +5604,47 @@
             <a:spLocks noGrp="1"/>
           </p:cNvSpPr>
           <p:nvPr>
-            <p:ph type="title"/>
+            <p:ph type="ctrTitle"/>
           </p:nvPr>
         </p:nvSpPr>
         <p:spPr>
           <a:xfrm>
-            <a:off x="684212" y="215900"/>
-            <a:ext cx="9348788" cy="990600"/>
+            <a:off x="657224" y="444500"/>
+            <a:ext cx="9755188" cy="812800"/>
+          </a:xfrm>
+        </p:spPr>
+        <p:txBody>
+          <a:bodyPr>
+            <a:normAutofit fontScale="90000"/>
+          </a:bodyPr>
+          <a:lstStyle/>
+          <a:p>
+            <a:r>
+              <a:rPr lang="en-US" dirty="0" smtClean="0"/>
+              <a:t>Links</a:t>
+            </a:r>
+            <a:endParaRPr lang="en-US" sz="3600" dirty="0">
+              <a:solidFill>
+                <a:schemeClr val="bg2"/>
+              </a:solidFill>
+            </a:endParaRPr>
+          </a:p>
+        </p:txBody>
+      </p:sp>
+      <p:sp>
+        <p:nvSpPr>
+          <p:cNvPr id="4" name="Subtitle 3"/>
+          <p:cNvSpPr>
+            <a:spLocks noGrp="1"/>
+          </p:cNvSpPr>
+          <p:nvPr>
+            <p:ph type="subTitle" idx="1"/>
+          </p:nvPr>
+        </p:nvSpPr>
+        <p:spPr>
+          <a:xfrm>
+            <a:off x="684212" y="1524001"/>
+            <a:ext cx="9539288" cy="4267200"/>
           </a:xfrm>
         </p:spPr>
         <p:txBody>
@@ -5621,95 +5653,55 @@
           </a:bodyPr>
           <a:lstStyle/>
           <a:p>
-            <a:r>
-              <a:rPr lang="en-US" dirty="0" smtClean="0"/>
-              <a:t>Motivation</a:t>
-            </a:r>
-            <a:endParaRPr lang="en-US" dirty="0"/>
-          </a:p>
-        </p:txBody>
-      </p:sp>
-      <p:sp>
-        <p:nvSpPr>
-          <p:cNvPr id="3" name="Text Placeholder 2"/>
-          <p:cNvSpPr>
-            <a:spLocks noGrp="1"/>
-          </p:cNvSpPr>
-          <p:nvPr>
-            <p:ph type="body" idx="1"/>
-          </p:nvPr>
-        </p:nvSpPr>
-        <p:spPr>
-          <a:xfrm>
-            <a:off x="684213" y="1358900"/>
-            <a:ext cx="8534400" cy="4686300"/>
-          </a:xfrm>
-        </p:spPr>
-        <p:txBody>
-          <a:bodyPr>
-            <a:normAutofit/>
-          </a:bodyPr>
-          <a:lstStyle/>
-          <a:p>
-            <a:pPr marL="285750" indent="-285750">
+            <a:pPr marL="342900" indent="-342900">
               <a:buFont typeface="Arial" panose="020B0604020202020204" pitchFamily="34" charset="0"/>
               <a:buChar char="•"/>
             </a:pPr>
             <a:r>
-              <a:rPr lang="en-US" sz="2800" dirty="0" smtClean="0">
-                <a:solidFill>
-                  <a:schemeClr val="tx1"/>
-                </a:solidFill>
+              <a:rPr lang="en-US" sz="3600" dirty="0">
+                <a:hlinkClick r:id="rId2"/>
               </a:rPr>
-              <a:t>Develop a website to view the place before they go there</a:t>
-            </a:r>
-          </a:p>
-          <a:p>
-            <a:pPr marL="285750" indent="-285750">
+              <a:t>https://</a:t>
+            </a:r>
+            <a:r>
+              <a:rPr lang="en-US" sz="3600" dirty="0" smtClean="0">
+                <a:hlinkClick r:id="rId2"/>
+              </a:rPr>
+              <a:t>github.com/Acilyn/SyntaxError</a:t>
+            </a:r>
+            <a:endParaRPr lang="en-US" sz="3600" dirty="0" smtClean="0"/>
+          </a:p>
+          <a:p>
+            <a:pPr marL="342900" indent="-342900">
               <a:buFont typeface="Arial" panose="020B0604020202020204" pitchFamily="34" charset="0"/>
               <a:buChar char="•"/>
             </a:pPr>
             <a:r>
-              <a:rPr lang="en-US" sz="2800" dirty="0" err="1" smtClean="0">
-                <a:solidFill>
-                  <a:schemeClr val="tx1"/>
-                </a:solidFill>
-              </a:rPr>
-              <a:t>GetTrippy</a:t>
-            </a:r>
-            <a:r>
-              <a:rPr lang="en-US" sz="2800" dirty="0" smtClean="0">
-                <a:solidFill>
-                  <a:schemeClr val="tx1"/>
-                </a:solidFill>
-              </a:rPr>
-              <a:t> is designed for people to interact with each other and see what is the top places to go to explore near them.</a:t>
-            </a:r>
-          </a:p>
-          <a:p>
-            <a:pPr marL="285750" indent="-285750">
+              <a:rPr lang="en-US" sz="3600" dirty="0"/>
+              <a:t>lamp.cse.fau.edu/~</a:t>
+            </a:r>
+            <a:r>
+              <a:rPr lang="en-US" sz="3600" dirty="0" smtClean="0"/>
+              <a:t>owend2014</a:t>
+            </a:r>
+          </a:p>
+          <a:p>
+            <a:pPr marL="342900" indent="-342900">
               <a:buFont typeface="Arial" panose="020B0604020202020204" pitchFamily="34" charset="0"/>
               <a:buChar char="•"/>
             </a:pPr>
-            <a:endParaRPr lang="en-US" sz="2800" dirty="0" smtClean="0">
-              <a:solidFill>
-                <a:schemeClr val="tx1"/>
-              </a:solidFill>
-            </a:endParaRPr>
-          </a:p>
-          <a:p>
-            <a:pPr marL="285750" indent="-285750">
-              <a:buFont typeface="Arial" panose="020B0604020202020204" pitchFamily="34" charset="0"/>
-              <a:buChar char="•"/>
-            </a:pPr>
-            <a:endParaRPr lang="en-US" sz="2000" dirty="0" smtClean="0"/>
+            <a:r>
+              <a:rPr lang="en-US" sz="3600" dirty="0"/>
+              <a:t>SyntaxError.someone.io</a:t>
+            </a:r>
+            <a:endParaRPr lang="en-US" sz="3600" dirty="0"/>
           </a:p>
         </p:txBody>
       </p:sp>
     </p:spTree>
     <p:extLst>
       <p:ext uri="{BB962C8B-B14F-4D97-AF65-F5344CB8AC3E}">
-        <p14:creationId xmlns:p14="http://schemas.microsoft.com/office/powerpoint/2010/main" val="446173513"/>
+        <p14:creationId xmlns:p14="http://schemas.microsoft.com/office/powerpoint/2010/main" val="1896467005"/>
       </p:ext>
     </p:extLst>
   </p:cSld>
@@ -5748,17 +5740,19 @@
         </p:nvSpPr>
         <p:spPr>
           <a:xfrm>
-            <a:off x="595311" y="381000"/>
-            <a:ext cx="8534401" cy="846500"/>
+            <a:off x="684212" y="215900"/>
+            <a:ext cx="9348788" cy="990600"/>
           </a:xfrm>
         </p:spPr>
         <p:txBody>
-          <a:bodyPr/>
-          <a:lstStyle/>
-          <a:p>
-            <a:r>
-              <a:rPr lang="en-US" dirty="0" smtClean="0"/>
-              <a:t>Functionalities</a:t>
+          <a:bodyPr>
+            <a:normAutofit/>
+          </a:bodyPr>
+          <a:lstStyle/>
+          <a:p>
+            <a:r>
+              <a:rPr lang="en-US" dirty="0" err="1" smtClean="0"/>
+              <a:t>GETTRippy</a:t>
             </a:r>
             <a:endParaRPr lang="en-US" dirty="0"/>
           </a:p>
@@ -5776,8 +5770,8 @@
         </p:nvSpPr>
         <p:spPr>
           <a:xfrm>
-            <a:off x="684213" y="1227500"/>
-            <a:ext cx="8534400" cy="4766900"/>
+            <a:off x="684213" y="1358900"/>
+            <a:ext cx="8534400" cy="4686300"/>
           </a:xfrm>
         </p:spPr>
         <p:txBody>
@@ -5791,7 +5785,21 @@
               <a:buChar char="•"/>
             </a:pPr>
             <a:r>
-              <a:rPr lang="en-US" sz="3200" dirty="0" err="1" smtClean="0">
+              <a:rPr lang="en-US" sz="2800" dirty="0" smtClean="0">
+                <a:solidFill>
+                  <a:schemeClr val="tx1"/>
+                </a:solidFill>
+              </a:rPr>
+              <a:t>Develop a website to view the place before they go there</a:t>
+            </a:r>
+          </a:p>
+          <a:p>
+            <a:pPr marL="285750" indent="-285750">
+              <a:buFont typeface="Arial" panose="020B0604020202020204" pitchFamily="34" charset="0"/>
+              <a:buChar char="•"/>
+            </a:pPr>
+            <a:r>
+              <a:rPr lang="en-US" sz="2800" dirty="0" err="1" smtClean="0">
                 <a:solidFill>
                   <a:schemeClr val="tx1"/>
                 </a:solidFill>
@@ -5799,20 +5807,57 @@
               <a:t>GetTrippy</a:t>
             </a:r>
             <a:r>
-              <a:rPr lang="en-US" sz="3200" dirty="0" smtClean="0">
+              <a:rPr lang="en-US" sz="2800" dirty="0" smtClean="0">
                 <a:solidFill>
                   <a:schemeClr val="tx1"/>
                 </a:solidFill>
               </a:rPr>
-              <a:t> is a website that brings people together towards the travel industry and lets them know what are the best amusements and museums near them with giving them a visualization on what the place looks like too.</a:t>
-            </a:r>
+              <a:t> </a:t>
+            </a:r>
+            <a:r>
+              <a:rPr lang="en-US" sz="2800" dirty="0">
+                <a:solidFill>
+                  <a:schemeClr val="tx1"/>
+                </a:solidFill>
+              </a:rPr>
+              <a:t>is a website that brings people together towards the travel industry and lets them know what are the best amusements and museums near them with giving them a visualization on what the place looks like too.</a:t>
+            </a:r>
+          </a:p>
+          <a:p>
+            <a:pPr marL="285750" indent="-285750">
+              <a:buFont typeface="Arial" panose="020B0604020202020204" pitchFamily="34" charset="0"/>
+              <a:buChar char="•"/>
+            </a:pPr>
+            <a:endParaRPr lang="en-US" sz="2800" dirty="0" smtClean="0">
+              <a:solidFill>
+                <a:schemeClr val="tx1"/>
+              </a:solidFill>
+            </a:endParaRPr>
+          </a:p>
+          <a:p>
+            <a:pPr marL="285750" indent="-285750">
+              <a:buFont typeface="Arial" panose="020B0604020202020204" pitchFamily="34" charset="0"/>
+              <a:buChar char="•"/>
+            </a:pPr>
+            <a:endParaRPr lang="en-US" sz="2800" dirty="0" smtClean="0">
+              <a:solidFill>
+                <a:schemeClr val="tx1"/>
+              </a:solidFill>
+            </a:endParaRPr>
+          </a:p>
+          <a:p>
+            <a:pPr marL="285750" indent="-285750">
+              <a:buFont typeface="Arial" panose="020B0604020202020204" pitchFamily="34" charset="0"/>
+              <a:buChar char="•"/>
+            </a:pPr>
+            <a:endParaRPr lang="en-US" sz="2000" dirty="0" smtClean="0"/>
           </a:p>
         </p:txBody>
       </p:sp>
     </p:spTree>
     <p:extLst>
       <p:ext uri="{BB962C8B-B14F-4D97-AF65-F5344CB8AC3E}">
-        <p14:creationId xmlns:p14="http://schemas.microsoft.com/office/powerpoint/2010/main" val="3454710512"/>
+        <p14:creationId xmlns:p14="http://schemas.microsoft.com/office/powerpoint/2010/main" val="446173513"/>
       </p:ext>
     </p:extLst>
   </p:cSld>
@@ -5860,8 +5905,8 @@
           <a:lstStyle/>
           <a:p>
             <a:r>
-              <a:rPr lang="en-US" dirty="0" smtClean="0"/>
-              <a:t>Audience</a:t>
+              <a:rPr lang="en-US" dirty="0" err="1" smtClean="0"/>
+              <a:t>GetTrippy</a:t>
             </a:r>
             <a:endParaRPr lang="en-US" dirty="0"/>
           </a:p>
@@ -6069,8 +6114,13 @@
                   <a:schemeClr val="tx1"/>
                 </a:solidFill>
               </a:rPr>
-              <a:t>PHP</a:t>
-            </a:r>
+              <a:t>PHP – server side language used for web development</a:t>
+            </a:r>
+            <a:endParaRPr lang="en-US" sz="2000" dirty="0" smtClean="0">
+              <a:solidFill>
+                <a:schemeClr val="tx1"/>
+              </a:solidFill>
+            </a:endParaRPr>
           </a:p>
           <a:p>
             <a:pPr marL="742950" lvl="1" indent="-285750">
@@ -6083,8 +6133,13 @@
                   <a:schemeClr val="tx1"/>
                 </a:solidFill>
               </a:rPr>
-              <a:t>HTML</a:t>
-            </a:r>
+              <a:t>HTML – used for structuring content on the web site</a:t>
+            </a:r>
+            <a:endParaRPr lang="en-US" sz="2000" dirty="0" smtClean="0">
+              <a:solidFill>
+                <a:schemeClr val="tx1"/>
+              </a:solidFill>
+            </a:endParaRPr>
           </a:p>
           <a:p>
             <a:pPr marL="742950" lvl="1" indent="-285750">
@@ -6097,8 +6152,13 @@
                   <a:schemeClr val="tx1"/>
                 </a:solidFill>
               </a:rPr>
-              <a:t>CSS</a:t>
-            </a:r>
+              <a:t>CSS – used for mark ups such as formatting a document</a:t>
+            </a:r>
+            <a:endParaRPr lang="en-US" sz="2000" dirty="0" smtClean="0">
+              <a:solidFill>
+                <a:schemeClr val="tx1"/>
+              </a:solidFill>
+            </a:endParaRPr>
           </a:p>
           <a:p>
             <a:pPr marL="285750" indent="-285750">
@@ -6125,8 +6185,21 @@
                   <a:schemeClr val="tx1"/>
                 </a:solidFill>
               </a:rPr>
-              <a:t>MySQL</a:t>
-            </a:r>
+              <a:t>MySQL – stores th</a:t>
+            </a:r>
+            <a:r>
+              <a:rPr lang="en-US" sz="2000" dirty="0" smtClean="0">
+                <a:solidFill>
+                  <a:schemeClr val="tx1"/>
+                </a:solidFill>
+              </a:rPr>
+              <a:t>e data structures for the web site</a:t>
+            </a:r>
+            <a:endParaRPr lang="en-US" sz="2000" dirty="0" smtClean="0">
+              <a:solidFill>
+                <a:schemeClr val="tx1"/>
+              </a:solidFill>
+            </a:endParaRPr>
           </a:p>
           <a:p>
             <a:pPr marL="285750" indent="-285750">
@@ -6154,6 +6227,14 @@
                 </a:solidFill>
               </a:rPr>
               <a:t>BootStrap</a:t>
+            </a:r>
+            <a:r>
+              <a:rPr lang="en-US" sz="2000" dirty="0" smtClean="0">
+                <a:solidFill>
+                  <a:schemeClr val="tx1"/>
+                </a:solidFill>
+              </a:rPr>
+              <a:t> – design templates and used to make web development  faster and easier</a:t>
             </a:r>
             <a:endParaRPr lang="en-US" sz="2000" dirty="0" smtClean="0">
               <a:solidFill>
@@ -6675,7 +6756,11 @@
               <a:buChar char="•"/>
             </a:pPr>
             <a:r>
-              <a:rPr lang="en-US" sz="3200" dirty="0" smtClean="0"/>
+              <a:rPr lang="en-US" sz="3200" dirty="0" smtClean="0">
+                <a:solidFill>
+                  <a:schemeClr val="tx1"/>
+                </a:solidFill>
+              </a:rPr>
               <a:t>Features on this version </a:t>
             </a:r>
           </a:p>
@@ -6716,7 +6801,11 @@
               <a:buChar char="•"/>
             </a:pPr>
             <a:r>
-              <a:rPr lang="en-US" sz="3200" dirty="0" smtClean="0"/>
+              <a:rPr lang="en-US" sz="3200" dirty="0" smtClean="0">
+                <a:solidFill>
+                  <a:schemeClr val="tx1"/>
+                </a:solidFill>
+              </a:rPr>
               <a:t>Features on the next version</a:t>
             </a:r>
           </a:p>
